--- a/Presentations/NOBUGS 2012/Posters/AutomatedReduction/Automated data processing using Mantid at the SNS.pptx
+++ b/Presentations/NOBUGS 2012/Posters/AutomatedReduction/Automated data processing using Mantid at the SNS.pptx
@@ -2728,13 +2728,7 @@
               <a:rPr lang="en-GB" sz="3200" dirty="0" smtClean="0">
                 <a:latin typeface="+mn-lt"/>
               </a:rPr>
-              <a:t>A special feature </a:t>
-            </a:r>
-            <a:r>
-              <a:rPr lang="en-GB" sz="3200" dirty="0" smtClean="0">
-                <a:latin typeface="+mn-lt"/>
-              </a:rPr>
-              <a:t>of these instruments is that the data reduction generally can be configured before the data is acquired</a:t>
+              <a:t>A special feature of these instruments is that the data reduction generally can be configured before the data is acquired</a:t>
             </a:r>
           </a:p>
           <a:p>
@@ -2747,53 +2741,32 @@
                 <a:latin typeface="+mn-lt"/>
                 <a:cs typeface="Helvetica"/>
               </a:rPr>
-              <a:t>    Enabling automated data reduction at the end of each </a:t>
+              <a:t>    Enabling automated data reduction at the end of each run would produce reduced </a:t>
+            </a:r>
+            <a:r>
+              <a:rPr lang="en-GB" sz="3200" dirty="0" smtClean="0">
+                <a:cs typeface="Helvetica"/>
+              </a:rPr>
+              <a:t>data promptly via well defined </a:t>
+            </a:r>
+            <a:r>
+              <a:rPr lang="en-GB" sz="3200" dirty="0" err="1" smtClean="0">
+                <a:cs typeface="Helvetica"/>
+              </a:rPr>
+              <a:t>Mantid</a:t>
+            </a:r>
+            <a:r>
+              <a:rPr lang="en-GB" sz="3200" dirty="0" smtClean="0">
+                <a:cs typeface="Helvetica"/>
+              </a:rPr>
+              <a:t> API and </a:t>
             </a:r>
             <a:r>
               <a:rPr lang="en-GB" sz="3200" dirty="0" smtClean="0">
                 <a:latin typeface="+mn-lt"/>
                 <a:cs typeface="Helvetica"/>
               </a:rPr>
-              <a:t>run would produce reduced </a:t>
-            </a:r>
-            <a:r>
-              <a:rPr lang="en-GB" sz="3200" dirty="0" smtClean="0">
-                <a:cs typeface="Helvetica"/>
-              </a:rPr>
-              <a:t>data promptly via well defined </a:t>
-            </a:r>
-            <a:r>
-              <a:rPr lang="en-GB" sz="3200" dirty="0" err="1" smtClean="0">
-                <a:cs typeface="Helvetica"/>
-              </a:rPr>
-              <a:t>Mantid</a:t>
-            </a:r>
-            <a:r>
-              <a:rPr lang="en-GB" sz="3200" dirty="0" smtClean="0">
-                <a:cs typeface="Helvetica"/>
-              </a:rPr>
-              <a:t> API and </a:t>
-            </a:r>
-            <a:r>
-              <a:rPr lang="en-GB" sz="3200" dirty="0" smtClean="0">
-                <a:latin typeface="+mn-lt"/>
-                <a:cs typeface="Helvetica"/>
-              </a:rPr>
-              <a:t>allow </a:t>
-            </a:r>
-            <a:r>
-              <a:rPr lang="en-GB" sz="3200" dirty="0" smtClean="0">
-                <a:latin typeface="+mn-lt"/>
-                <a:cs typeface="Helvetica"/>
-              </a:rPr>
-              <a:t>instrument scientists to focus on new </a:t>
-            </a:r>
-            <a:r>
-              <a:rPr lang="en-GB" sz="3200" dirty="0" smtClean="0">
-                <a:latin typeface="+mn-lt"/>
-                <a:cs typeface="Helvetica"/>
-              </a:rPr>
-              <a:t>science</a:t>
+              <a:t>allow instrument scientists to focus on new science</a:t>
             </a:r>
             <a:endParaRPr lang="en-US" sz="3200" dirty="0" smtClean="0">
               <a:latin typeface="+mn-lt"/>
@@ -3318,23 +3291,11 @@
             </a:pPr>
             <a:r>
               <a:rPr lang="en-GB" sz="3200" dirty="0" smtClean="0"/>
-              <a:t>    Automated </a:t>
-            </a:r>
-            <a:r>
-              <a:rPr lang="en-GB" sz="3200" dirty="0" smtClean="0"/>
-              <a:t>data reduction </a:t>
+              <a:t>    Automated data reduction </a:t>
             </a:r>
             <a:r>
               <a:rPr lang="en-US" sz="3200" dirty="0" smtClean="0"/>
-              <a:t>currently </a:t>
-            </a:r>
-            <a:r>
-              <a:rPr lang="en-US" sz="3200" dirty="0" smtClean="0"/>
-              <a:t>running </a:t>
-            </a:r>
-            <a:r>
-              <a:rPr lang="en-US" sz="3200" dirty="0" smtClean="0"/>
-              <a:t>on seven SNS </a:t>
+              <a:t>currently running on seven SNS </a:t>
             </a:r>
             <a:r>
               <a:rPr lang="en-US" sz="3200" dirty="0" err="1" smtClean="0"/>
@@ -3342,15 +3303,7 @@
             </a:r>
             <a:r>
               <a:rPr lang="en-US" sz="3200" dirty="0" smtClean="0"/>
-              <a:t>: </a:t>
-            </a:r>
-            <a:r>
-              <a:rPr lang="en-US" sz="3200" dirty="0" smtClean="0"/>
-              <a:t>ARCS</a:t>
-            </a:r>
-            <a:r>
-              <a:rPr lang="en-US" sz="3200" dirty="0" smtClean="0"/>
-              <a:t>, BASIS, HYSPEC, NOMAD, POWGEN, REF_L, REF_M, and SEQUOIA.</a:t>
+              <a:t>: ARCS, BASIS, HYSPEC, NOMAD, POWGEN, REF_L, REF_M, and SEQUOIA.</a:t>
             </a:r>
           </a:p>
           <a:p>
@@ -3360,11 +3313,7 @@
             </a:pPr>
             <a:r>
               <a:rPr lang="en-US" sz="3200" dirty="0" smtClean="0"/>
-              <a:t>    ADARA </a:t>
-            </a:r>
-            <a:r>
-              <a:rPr lang="en-US" sz="3200" dirty="0" smtClean="0"/>
-              <a:t>post processing system </a:t>
+              <a:t>    ADARA post processing system </a:t>
             </a:r>
             <a:r>
               <a:rPr lang="en-GB" sz="3200" dirty="0" smtClean="0"/>
@@ -3493,21 +3442,7 @@
                 <a:latin typeface="+mn-lt"/>
                 <a:cs typeface="Helvetica"/>
               </a:rPr>
-              <a:t> users with path to reduced data for data </a:t>
-            </a:r>
-            <a:r>
-              <a:rPr lang="en-US" sz="3200" dirty="0" smtClean="0">
-                <a:latin typeface="+mn-lt"/>
-                <a:cs typeface="Helvetica"/>
-              </a:rPr>
-              <a:t>analysis and </a:t>
-            </a:r>
-            <a:r>
-              <a:rPr lang="en-US" sz="3200" dirty="0" smtClean="0">
-                <a:latin typeface="+mn-lt"/>
-                <a:cs typeface="Helvetica"/>
-              </a:rPr>
-              <a:t>visualization via ICAT web service</a:t>
+              <a:t> users with path to reduced data for data analysis and visualization via ICAT web service</a:t>
             </a:r>
           </a:p>
         </p:txBody>
@@ -3523,7 +3458,7 @@
         <p:spPr bwMode="auto">
           <a:xfrm>
             <a:off x="914400" y="15776238"/>
-            <a:ext cx="13980695" cy="14373165"/>
+            <a:ext cx="13980695" cy="14865613"/>
           </a:xfrm>
           <a:prstGeom prst="rect">
             <a:avLst/>
@@ -3547,19 +3482,7 @@
               <a:rPr lang="en-US" sz="3200" dirty="0" smtClean="0">
                 <a:cs typeface="Helvetica"/>
               </a:rPr>
-              <a:t>Phase 1: pre-configure data reduction parameters before </a:t>
-            </a:r>
-            <a:r>
-              <a:rPr lang="en-US" sz="3200" dirty="0" smtClean="0">
-                <a:cs typeface="Helvetica"/>
-              </a:rPr>
-              <a:t>experiment data </a:t>
-            </a:r>
-            <a:r>
-              <a:rPr lang="en-US" sz="3200" dirty="0" smtClean="0">
-                <a:cs typeface="Helvetica"/>
-              </a:rPr>
-              <a:t>is acquired</a:t>
+              <a:t>Phase 1: pre-configure data reduction parameters before experiment data is acquired</a:t>
             </a:r>
           </a:p>
           <a:p>
@@ -3571,32 +3494,29 @@
               <a:rPr lang="en-US" sz="3200" dirty="0" smtClean="0">
                 <a:cs typeface="Helvetica"/>
               </a:rPr>
-              <a:t>    </a:t>
+              <a:t>    Identified POWGEN, a high throughput instrument, as the first instrument to test </a:t>
             </a:r>
             <a:r>
               <a:rPr lang="en-US" sz="3200" dirty="0" smtClean="0">
                 <a:cs typeface="Helvetica"/>
               </a:rPr>
-              <a:t>Identified </a:t>
+              <a:t>the </a:t>
             </a:r>
             <a:r>
               <a:rPr lang="en-US" sz="3200" dirty="0" smtClean="0">
                 <a:cs typeface="Helvetica"/>
               </a:rPr>
-              <a:t>POWGEN, a high throughput </a:t>
+              <a:t>automated data reduction </a:t>
             </a:r>
             <a:r>
               <a:rPr lang="en-US" sz="3200" dirty="0" smtClean="0">
                 <a:cs typeface="Helvetica"/>
               </a:rPr>
-              <a:t>instrument, </a:t>
-            </a:r>
-            <a:r>
-              <a:rPr lang="en-US" sz="3200" dirty="0" smtClean="0">
-                <a:cs typeface="Helvetica"/>
-              </a:rPr>
-              <a:t>as the first instrument to test out the automated data reduction algorithm</a:t>
-            </a:r>
+              <a:t>framework</a:t>
+            </a:r>
+            <a:endParaRPr lang="en-US" sz="3200" dirty="0" smtClean="0">
+              <a:cs typeface="Helvetica"/>
+            </a:endParaRPr>
           </a:p>
           <a:p>
             <a:pPr marL="0" lvl="1">
@@ -3607,43 +3527,19 @@
               <a:rPr lang="en-US" sz="3200" dirty="0" smtClean="0">
                 <a:cs typeface="Helvetica"/>
               </a:rPr>
-              <a:t>    </a:t>
+              <a:t>    Met with </a:t>
             </a:r>
             <a:r>
               <a:rPr lang="en-US" sz="3200" dirty="0" smtClean="0">
                 <a:cs typeface="Helvetica"/>
               </a:rPr>
-              <a:t>Met </a:t>
+              <a:t>instrument </a:t>
             </a:r>
             <a:r>
               <a:rPr lang="en-US" sz="3200" dirty="0" smtClean="0">
                 <a:cs typeface="Helvetica"/>
               </a:rPr>
-              <a:t>with POWGEN instrument scientist to </a:t>
-            </a:r>
-            <a:r>
-              <a:rPr lang="en-US" sz="3200" dirty="0" smtClean="0">
-                <a:cs typeface="Helvetica"/>
-              </a:rPr>
-              <a:t>determine parameters </a:t>
-            </a:r>
-            <a:r>
-              <a:rPr lang="en-US" sz="3200" dirty="0" smtClean="0">
-                <a:cs typeface="Helvetica"/>
-              </a:rPr>
-              <a:t>necessary for </a:t>
-            </a:r>
-            <a:r>
-              <a:rPr lang="en-US" sz="3200" dirty="0" smtClean="0">
-                <a:cs typeface="Helvetica"/>
-              </a:rPr>
-              <a:t>data </a:t>
-            </a:r>
-            <a:r>
-              <a:rPr lang="en-US" sz="3200" dirty="0" smtClean="0">
-                <a:cs typeface="Helvetica"/>
-              </a:rPr>
-              <a:t>reduction.</a:t>
+              <a:t>scientist to determine parameters necessary for data reduction.</a:t>
             </a:r>
           </a:p>
           <a:p>
@@ -3655,89 +3551,57 @@
               <a:rPr lang="en-US" sz="3200" dirty="0" smtClean="0">
                 <a:cs typeface="Helvetica"/>
               </a:rPr>
-              <a:t>    </a:t>
+              <a:t>    Developed a reduction script to invoke an existing </a:t>
+            </a:r>
+            <a:r>
+              <a:rPr lang="en-US" sz="3200" dirty="0" err="1" smtClean="0">
+                <a:cs typeface="Helvetica"/>
+              </a:rPr>
+              <a:t>Mantid</a:t>
             </a:r>
             <a:r>
               <a:rPr lang="en-US" sz="3200" dirty="0" smtClean="0">
                 <a:cs typeface="Helvetica"/>
               </a:rPr>
-              <a:t>Developed a reduction </a:t>
+              <a:t> Python </a:t>
             </a:r>
             <a:r>
               <a:rPr lang="en-US" sz="3200" dirty="0" smtClean="0">
                 <a:cs typeface="Helvetica"/>
               </a:rPr>
-              <a:t>script </a:t>
+              <a:t>algorithm </a:t>
+            </a:r>
+            <a:r>
+              <a:rPr lang="en-US" sz="3200" dirty="0" err="1" smtClean="0">
+                <a:latin typeface="Courier"/>
+                <a:cs typeface="Courier"/>
+              </a:rPr>
+              <a:t>SNSPowderReduction</a:t>
             </a:r>
             <a:r>
               <a:rPr lang="en-US" sz="3200" dirty="0" smtClean="0">
                 <a:cs typeface="Helvetica"/>
               </a:rPr>
-              <a:t>to </a:t>
+              <a:t> </a:t>
             </a:r>
             <a:r>
               <a:rPr lang="en-US" sz="3200" dirty="0" smtClean="0">
                 <a:cs typeface="Helvetica"/>
               </a:rPr>
-              <a:t>invoke an existing </a:t>
-            </a:r>
-            <a:r>
-              <a:rPr lang="en-US" sz="3200" dirty="0" err="1" smtClean="0">
-                <a:cs typeface="Helvetica"/>
-              </a:rPr>
-              <a:t>Mantid</a:t>
+              <a:t>with input parameters </a:t>
             </a:r>
             <a:r>
               <a:rPr lang="en-US" sz="3200" dirty="0" smtClean="0">
                 <a:cs typeface="Helvetica"/>
               </a:rPr>
-              <a:t> </a:t>
+              <a:t>confirmed by </a:t>
             </a:r>
             <a:r>
               <a:rPr lang="en-US" sz="3200" dirty="0" smtClean="0">
                 <a:cs typeface="Helvetica"/>
               </a:rPr>
-              <a:t>Python API </a:t>
-            </a:r>
-            <a:r>
-              <a:rPr lang="en-US" sz="3200" dirty="0" err="1" smtClean="0">
-                <a:cs typeface="Helvetica"/>
-              </a:rPr>
-              <a:t>SNSPowderReduction</a:t>
-            </a:r>
-            <a:r>
-              <a:rPr lang="en-US" sz="3200" dirty="0" smtClean="0">
-                <a:cs typeface="Helvetica"/>
-              </a:rPr>
-              <a:t>() with </a:t>
-            </a:r>
-            <a:r>
-              <a:rPr lang="en-US" sz="3200" dirty="0" smtClean="0">
-                <a:cs typeface="Helvetica"/>
-              </a:rPr>
-              <a:t>input parameters </a:t>
-            </a:r>
-            <a:r>
-              <a:rPr lang="en-US" sz="3200" dirty="0" smtClean="0">
-                <a:cs typeface="Helvetica"/>
-              </a:rPr>
-              <a:t>concurred by </a:t>
-            </a:r>
-            <a:r>
-              <a:rPr lang="en-US" sz="3200" dirty="0" smtClean="0">
-                <a:cs typeface="Helvetica"/>
-              </a:rPr>
-              <a:t>the instrument team and data reduction </a:t>
-            </a:r>
-            <a:r>
-              <a:rPr lang="en-US" sz="3200" dirty="0" smtClean="0">
-                <a:cs typeface="Helvetica"/>
-              </a:rPr>
-              <a:t>team</a:t>
-            </a:r>
-            <a:endParaRPr lang="en-US" sz="3200" dirty="0" smtClean="0">
-              <a:cs typeface="Helvetica"/>
-            </a:endParaRPr>
+              <a:t>the instrument team and data reduction team</a:t>
+            </a:r>
           </a:p>
           <a:p>
             <a:pPr marL="0" lvl="1">
@@ -3748,37 +3612,13 @@
               <a:rPr lang="en-US" sz="3200" dirty="0" smtClean="0">
                 <a:cs typeface="Helvetica"/>
               </a:rPr>
-              <a:t>    Enabled </a:t>
+              <a:t>    Enabled instrument teams to modify the auto reduction script with the updated </a:t>
             </a:r>
             <a:r>
               <a:rPr lang="en-US" sz="3200" dirty="0" smtClean="0">
                 <a:cs typeface="Helvetica"/>
               </a:rPr>
-              <a:t>instrument teams to modify the auto reduction script </a:t>
-            </a:r>
-            <a:r>
-              <a:rPr lang="en-US" sz="3200" dirty="0" smtClean="0">
-                <a:cs typeface="Helvetica"/>
-              </a:rPr>
-              <a:t>with the updated </a:t>
-            </a:r>
-            <a:r>
-              <a:rPr lang="en-US" sz="3200" dirty="0" smtClean="0">
-                <a:cs typeface="Helvetica"/>
-              </a:rPr>
-              <a:t>calibration </a:t>
-            </a:r>
-            <a:r>
-              <a:rPr lang="en-US" sz="3200" dirty="0" smtClean="0">
-                <a:cs typeface="Helvetica"/>
-              </a:rPr>
-              <a:t>and/or characterization </a:t>
-            </a:r>
-            <a:r>
-              <a:rPr lang="en-US" sz="3200" dirty="0" smtClean="0">
-                <a:cs typeface="Helvetica"/>
-              </a:rPr>
-              <a:t>files</a:t>
+              <a:t>parameters for the experiment</a:t>
             </a:r>
           </a:p>
           <a:p>
@@ -3790,29 +3630,8 @@
               <a:rPr lang="en-US" sz="3200" dirty="0" smtClean="0">
                 <a:cs typeface="Helvetica"/>
               </a:rPr>
-              <a:t> </a:t>
-            </a:r>
-            <a:r>
-              <a:rPr lang="en-US" sz="3200" dirty="0" smtClean="0">
-                <a:cs typeface="Helvetica"/>
-              </a:rPr>
-              <a:t>   </a:t>
-            </a:r>
-            <a:r>
-              <a:rPr lang="en-US" sz="3200" dirty="0" smtClean="0">
-                <a:cs typeface="Helvetica"/>
-              </a:rPr>
-              <a:t>Built </a:t>
-            </a:r>
-            <a:r>
-              <a:rPr lang="en-US" sz="3200" dirty="0" smtClean="0">
-                <a:cs typeface="Helvetica"/>
-              </a:rPr>
-              <a:t>an overall post processing workflow to catalog and auto reduce data</a:t>
-            </a:r>
-            <a:endParaRPr lang="en-US" sz="3200" dirty="0" smtClean="0">
-              <a:cs typeface="Helvetica"/>
-            </a:endParaRPr>
+              <a:t>    Built an overall post processing workflow to catalog and auto reduce data</a:t>
+            </a:r>
           </a:p>
           <a:p>
             <a:pPr marL="0" lvl="1">
@@ -3820,41 +3639,26 @@
               <a:buChar char="•"/>
             </a:pPr>
             <a:r>
-              <a:rPr lang="en-US" sz="3200" dirty="0">
-                <a:cs typeface="Helvetica"/>
-              </a:rPr>
-              <a:t> </a:t>
-            </a:r>
-            <a:r>
               <a:rPr lang="en-US" sz="3200" dirty="0" smtClean="0">
                 <a:cs typeface="Helvetica"/>
               </a:rPr>
-              <a:t>   </a:t>
+              <a:t>    </a:t>
             </a:r>
             <a:r>
               <a:rPr lang="en-US" sz="3200" dirty="0" smtClean="0">
                 <a:cs typeface="Helvetica"/>
               </a:rPr>
-              <a:t>Deployed </a:t>
+              <a:t>Deployed the post processing suite into production for POWGEN and received positive remarks from users, in particular, the system served mail-in samples </a:t>
             </a:r>
             <a:r>
               <a:rPr lang="en-US" sz="3200" dirty="0" smtClean="0">
                 <a:cs typeface="Helvetica"/>
               </a:rPr>
-              <a:t>the post </a:t>
-            </a:r>
-            <a:r>
-              <a:rPr lang="en-US" sz="3200" dirty="0" smtClean="0">
-                <a:cs typeface="Helvetica"/>
-              </a:rPr>
-              <a:t>processing suite into </a:t>
-            </a:r>
-            <a:r>
-              <a:rPr lang="en-US" sz="3200" dirty="0" smtClean="0">
-                <a:cs typeface="Helvetica"/>
-              </a:rPr>
-              <a:t>production for POWGEN and received positive remarks from users, in particular, the system served mail-in samples really well</a:t>
-            </a:r>
+              <a:t>well</a:t>
+            </a:r>
+            <a:endParaRPr lang="en-US" sz="3200" dirty="0" smtClean="0">
+              <a:cs typeface="Helvetica"/>
+            </a:endParaRPr>
           </a:p>
           <a:p>
             <a:pPr marL="0" lvl="1">
@@ -3865,13 +3669,19 @@
               <a:rPr lang="en-US" sz="3200" dirty="0" smtClean="0">
                 <a:cs typeface="Helvetica"/>
               </a:rPr>
-              <a:t> </a:t>
+              <a:t>    Leveraged the </a:t>
             </a:r>
             <a:r>
               <a:rPr lang="en-US" sz="3200" dirty="0" smtClean="0">
                 <a:cs typeface="Helvetica"/>
               </a:rPr>
-              <a:t>   Leveraged the auto reduction techniques used in POWGEN together with the well defined </a:t>
+              <a:t>automated </a:t>
+            </a:r>
+            <a:r>
+              <a:rPr lang="en-US" sz="3200" dirty="0" smtClean="0">
+                <a:cs typeface="Helvetica"/>
+              </a:rPr>
+              <a:t>reduction techniques used in POWGEN together with the well defined </a:t>
             </a:r>
             <a:r>
               <a:rPr lang="en-US" sz="3200" dirty="0" err="1" smtClean="0">
@@ -3883,19 +3693,23 @@
               <a:rPr lang="en-US" sz="3200" dirty="0" smtClean="0">
                 <a:cs typeface="Helvetica"/>
               </a:rPr>
-              <a:t> data reduction APIs to additional instruments including </a:t>
+              <a:t> data reduction </a:t>
+            </a:r>
+            <a:r>
+              <a:rPr lang="en-US" sz="3200" dirty="0" smtClean="0">
+                <a:cs typeface="Helvetica"/>
+              </a:rPr>
+              <a:t>algorithms to </a:t>
+            </a:r>
+            <a:r>
+              <a:rPr lang="en-US" sz="3200" dirty="0" smtClean="0">
+                <a:cs typeface="Helvetica"/>
+              </a:rPr>
+              <a:t>additional instruments including </a:t>
             </a:r>
             <a:r>
               <a:rPr lang="en-US" sz="3200" dirty="0" smtClean="0"/>
-              <a:t>ARCS</a:t>
-            </a:r>
-            <a:r>
-              <a:rPr lang="en-US" sz="3200" dirty="0" smtClean="0"/>
-              <a:t>, BASIS, HYSPEC, NOMAD, POWGEN, REF_L, REF_M, and </a:t>
-            </a:r>
-            <a:r>
-              <a:rPr lang="en-US" sz="3200" dirty="0" smtClean="0"/>
-              <a:t>SEQUOIA</a:t>
+              <a:t>ARCS, BASIS, HYSPEC, NOMAD, POWGEN, REF_L, REF_M, and SEQUOIA</a:t>
             </a:r>
           </a:p>
           <a:p>
@@ -3907,13 +3721,7 @@
               <a:rPr lang="en-US" sz="3200" dirty="0" smtClean="0">
                 <a:cs typeface="Helvetica"/>
               </a:rPr>
-              <a:t> </a:t>
-            </a:r>
-            <a:r>
-              <a:rPr lang="en-US" sz="3200" dirty="0" smtClean="0">
-                <a:cs typeface="Helvetica"/>
-              </a:rPr>
-              <a:t>   Revised the post processing workflow to work with the newly developed streaming data flow of the ADARA project</a:t>
+              <a:t>    Revised the post processing workflow to work with the newly developed streaming data flow of the ADARA project</a:t>
             </a:r>
           </a:p>
           <a:p>
@@ -3928,19 +3736,7 @@
               <a:rPr lang="en-US" sz="3200" dirty="0" smtClean="0">
                 <a:cs typeface="Helvetica"/>
               </a:rPr>
-              <a:t>Phase 2: </a:t>
-            </a:r>
-            <a:r>
-              <a:rPr lang="en-US" sz="3200" dirty="0" smtClean="0">
-                <a:cs typeface="Helvetica"/>
-              </a:rPr>
-              <a:t>Metadata </a:t>
-            </a:r>
-            <a:r>
-              <a:rPr lang="en-US" sz="3200" dirty="0" smtClean="0">
-                <a:cs typeface="Helvetica"/>
-              </a:rPr>
-              <a:t>driven data reduction approach</a:t>
+              <a:t>Phase 2: Metadata driven data reduction approach</a:t>
             </a:r>
           </a:p>
           <a:p>
@@ -3952,37 +3748,7 @@
               <a:rPr lang="en-US" sz="3200" dirty="0" smtClean="0">
                 <a:cs typeface="Helvetica"/>
               </a:rPr>
-              <a:t>     </a:t>
-            </a:r>
-            <a:r>
-              <a:rPr lang="en-US" sz="3200" dirty="0" smtClean="0">
-                <a:cs typeface="Helvetica"/>
-              </a:rPr>
-              <a:t>Realize </a:t>
-            </a:r>
-            <a:r>
-              <a:rPr lang="en-US" sz="3200" dirty="0" smtClean="0">
-                <a:cs typeface="Helvetica"/>
-              </a:rPr>
-              <a:t>the full potential of </a:t>
-            </a:r>
-            <a:r>
-              <a:rPr lang="en-US" sz="3200" dirty="0" smtClean="0">
-                <a:cs typeface="Helvetica"/>
-              </a:rPr>
-              <a:t>the ICAT system: define </a:t>
-            </a:r>
-            <a:r>
-              <a:rPr lang="en-US" sz="3200" dirty="0" smtClean="0">
-                <a:cs typeface="Helvetica"/>
-              </a:rPr>
-              <a:t>much of the core metadata that should be captured </a:t>
-            </a:r>
-            <a:r>
-              <a:rPr lang="en-US" sz="3200" dirty="0" smtClean="0">
-                <a:cs typeface="Helvetica"/>
-              </a:rPr>
-              <a:t>in the database to achieve the design and development of metadata-driven data reduction</a:t>
+              <a:t>     Realize the full potential of the ICAT system: define much of the core metadata that should be captured in the database to achieve the design and development of metadata-driven data reduction</a:t>
             </a:r>
           </a:p>
           <a:p>
@@ -4006,31 +3772,7 @@
               <a:rPr lang="en-US" sz="3200" dirty="0" smtClean="0">
                 <a:cs typeface="Helvetica"/>
               </a:rPr>
-              <a:t> to ICAT, </a:t>
-            </a:r>
-            <a:r>
-              <a:rPr lang="en-US" sz="3200" dirty="0" smtClean="0">
-                <a:cs typeface="Helvetica"/>
-              </a:rPr>
-              <a:t>and </a:t>
-            </a:r>
-            <a:r>
-              <a:rPr lang="en-US" sz="3200" dirty="0" smtClean="0">
-                <a:cs typeface="Helvetica"/>
-              </a:rPr>
-              <a:t>unleash </a:t>
-            </a:r>
-            <a:r>
-              <a:rPr lang="en-US" sz="3200" dirty="0" smtClean="0">
-                <a:cs typeface="Helvetica"/>
-              </a:rPr>
-              <a:t>the power of metadata to </a:t>
-            </a:r>
-            <a:r>
-              <a:rPr lang="en-US" sz="3200" dirty="0" smtClean="0">
-                <a:cs typeface="Helvetica"/>
-              </a:rPr>
-              <a:t>fully automate data processing</a:t>
+              <a:t> to ICAT, and unleash the power of metadata to fully automate data processing</a:t>
             </a:r>
           </a:p>
         </p:txBody>
@@ -4047,7 +3789,7 @@
           <a:blip r:embed="rId2">
             <a:extLst>
               <a:ext uri="{28A0092B-C50C-407E-A947-70E740481C1C}">
-                <a14:useLocalDpi xmlns:a14="http://schemas.microsoft.com/office/drawing/2010/main" xmlns="" val="0"/>
+                <a14:useLocalDpi xmlns:a14="http://schemas.microsoft.com/office/drawing/2010/main" val="0"/>
               </a:ext>
             </a:extLst>
           </a:blip>
@@ -7562,23 +7304,7 @@
                   <a:schemeClr val="accent6"/>
                 </a:solidFill>
               </a:rPr>
-              <a:t>Post </a:t>
-            </a:r>
-            <a:r>
-              <a:rPr lang="en-US" sz="3200" b="1" dirty="0" smtClean="0">
-                <a:solidFill>
-                  <a:schemeClr val="accent6"/>
-                </a:solidFill>
-              </a:rPr>
-              <a:t>Processing Workflow </a:t>
-            </a:r>
-            <a:r>
-              <a:rPr lang="en-US" sz="3200" b="1" dirty="0" smtClean="0">
-                <a:solidFill>
-                  <a:schemeClr val="accent6"/>
-                </a:solidFill>
-              </a:rPr>
-              <a:t>in Development</a:t>
+              <a:t>Post Processing Workflow in Development</a:t>
             </a:r>
             <a:endParaRPr lang="en-US" sz="3200" b="1" dirty="0">
               <a:solidFill>
@@ -7600,7 +7326,7 @@
           <a:blip r:embed="rId3">
             <a:extLst>
               <a:ext uri="{28A0092B-C50C-407E-A947-70E740481C1C}">
-                <a14:useLocalDpi xmlns:a14="http://schemas.microsoft.com/office/drawing/2010/main" xmlns="" val="0"/>
+                <a14:useLocalDpi xmlns:a14="http://schemas.microsoft.com/office/drawing/2010/main" val="0"/>
               </a:ext>
             </a:extLst>
           </a:blip>
@@ -7654,15 +7380,7 @@
             </a:pPr>
             <a:r>
               <a:rPr lang="en-US" sz="3200" dirty="0" smtClean="0"/>
-              <a:t>    ADARA </a:t>
-            </a:r>
-            <a:r>
-              <a:rPr lang="en-US" sz="3200" dirty="0" smtClean="0"/>
-              <a:t>post processing </a:t>
-            </a:r>
-            <a:r>
-              <a:rPr lang="en-US" sz="3200" dirty="0" smtClean="0"/>
-              <a:t>workflow with </a:t>
+              <a:t>    ADARA post processing workflow with </a:t>
             </a:r>
             <a:r>
               <a:rPr lang="en-US" sz="3200" dirty="0" err="1" smtClean="0"/>
@@ -7670,27 +7388,7 @@
             </a:r>
             <a:r>
               <a:rPr lang="en-US" sz="3200" dirty="0" smtClean="0"/>
-              <a:t> in place running </a:t>
-            </a:r>
-            <a:r>
-              <a:rPr lang="en-US" sz="3200" dirty="0" smtClean="0"/>
-              <a:t>on HYSPEC </a:t>
-            </a:r>
-            <a:r>
-              <a:rPr lang="en-US" sz="3200" dirty="0" smtClean="0"/>
-              <a:t>and </a:t>
-            </a:r>
-            <a:r>
-              <a:rPr lang="en-US" sz="3200" dirty="0" smtClean="0"/>
-              <a:t>subsequent </a:t>
-            </a:r>
-            <a:r>
-              <a:rPr lang="en-US" sz="3200" dirty="0" smtClean="0"/>
-              <a:t>beam </a:t>
-            </a:r>
-            <a:r>
-              <a:rPr lang="en-US" sz="3200" dirty="0" smtClean="0"/>
-              <a:t>lines that are transitioned to ADARA path</a:t>
+              <a:t> in place running on HYSPEC and subsequent beam lines that are transitioned to ADARA path</a:t>
             </a:r>
           </a:p>
           <a:p>
@@ -7700,11 +7398,7 @@
             </a:pPr>
             <a:r>
               <a:rPr lang="en-US" sz="3200" dirty="0" smtClean="0"/>
-              <a:t> </a:t>
-            </a:r>
-            <a:r>
-              <a:rPr lang="en-US" sz="3200" dirty="0" smtClean="0"/>
-              <a:t>   Integrate ICAT4.2 into </a:t>
+              <a:t>    Integrate ICAT4.2 into </a:t>
             </a:r>
             <a:r>
               <a:rPr lang="en-US" sz="3200" dirty="0" err="1" smtClean="0"/>
@@ -7722,7 +7416,6 @@
               <a:rPr lang="en-US" sz="3200" dirty="0" smtClean="0"/>
               <a:t> search</a:t>
             </a:r>
-            <a:endParaRPr lang="en-US" sz="3200" dirty="0" smtClean="0"/>
           </a:p>
           <a:p>
             <a:pPr>
@@ -7740,37 +7433,7 @@
               <a:rPr lang="en-US" sz="3200" dirty="0" smtClean="0">
                 <a:cs typeface="Helvetica"/>
               </a:rPr>
-              <a:t>Meta data driven data reduction to minimize </a:t>
-            </a:r>
-            <a:r>
-              <a:rPr lang="en-US" sz="3200" dirty="0" smtClean="0">
-                <a:cs typeface="Helvetica"/>
-              </a:rPr>
-              <a:t>or eliminate pre-configuring </a:t>
-            </a:r>
-            <a:r>
-              <a:rPr lang="en-US" sz="3200" dirty="0" smtClean="0">
-                <a:cs typeface="Helvetica"/>
-              </a:rPr>
-              <a:t>data reduction parameters and </a:t>
-            </a:r>
-            <a:r>
-              <a:rPr lang="en-US" sz="3200" dirty="0" smtClean="0">
-                <a:cs typeface="Helvetica"/>
-              </a:rPr>
-              <a:t>to unlock </a:t>
-            </a:r>
-            <a:r>
-              <a:rPr lang="en-US" sz="3200" dirty="0" smtClean="0">
-                <a:cs typeface="Helvetica"/>
-              </a:rPr>
-              <a:t>the full potential of </a:t>
-            </a:r>
-            <a:r>
-              <a:rPr lang="en-US" sz="3200" dirty="0" smtClean="0">
-                <a:cs typeface="Helvetica"/>
-              </a:rPr>
-              <a:t>the ICAT system </a:t>
+              <a:t>Meta data driven data reduction to minimize or eliminate pre-configuring data reduction parameters and to unlock the full potential of the ICAT system </a:t>
             </a:r>
             <a:endParaRPr lang="en-GB" sz="3200" dirty="0" smtClean="0"/>
           </a:p>
@@ -9582,56 +9245,7 @@
                 <a:latin typeface="Arial" pitchFamily="34" charset="0"/>
                 <a:cs typeface="Arial" pitchFamily="34" charset="0"/>
               </a:rPr>
-              <a:t>* ADARA (Accelerating </a:t>
-            </a:r>
-            <a:r>
-              <a:rPr lang="en-US" sz="3200" dirty="0" smtClean="0">
-                <a:latin typeface="Arial" pitchFamily="34" charset="0"/>
-                <a:cs typeface="Arial" pitchFamily="34" charset="0"/>
-              </a:rPr>
-              <a:t>Data Acquisition, Reduction, and </a:t>
-            </a:r>
-            <a:r>
-              <a:rPr lang="en-US" sz="3200" dirty="0" smtClean="0">
-                <a:latin typeface="Arial" pitchFamily="34" charset="0"/>
-                <a:cs typeface="Arial" pitchFamily="34" charset="0"/>
-              </a:rPr>
-              <a:t>Analysis) is a new streaming </a:t>
-            </a:r>
-            <a:r>
-              <a:rPr lang="en-US" sz="3200" dirty="0" smtClean="0">
-                <a:latin typeface="Arial" pitchFamily="34" charset="0"/>
-                <a:cs typeface="Arial" pitchFamily="34" charset="0"/>
-              </a:rPr>
-              <a:t>data flow architecture </a:t>
-            </a:r>
-            <a:r>
-              <a:rPr lang="en-US" sz="3200" dirty="0" smtClean="0">
-                <a:latin typeface="Arial" pitchFamily="34" charset="0"/>
-                <a:cs typeface="Arial" pitchFamily="34" charset="0"/>
-              </a:rPr>
-              <a:t>in development at SNS to </a:t>
-            </a:r>
-            <a:r>
-              <a:rPr lang="en-US" sz="3200" dirty="0" smtClean="0">
-                <a:latin typeface="Arial" pitchFamily="34" charset="0"/>
-                <a:cs typeface="Arial" pitchFamily="34" charset="0"/>
-              </a:rPr>
-              <a:t>give </a:t>
-            </a:r>
-            <a:r>
-              <a:rPr lang="en-US" sz="3200" dirty="0" smtClean="0">
-                <a:latin typeface="Arial" pitchFamily="34" charset="0"/>
-                <a:cs typeface="Arial" pitchFamily="34" charset="0"/>
-              </a:rPr>
-              <a:t>users </a:t>
-            </a:r>
-            <a:r>
-              <a:rPr lang="en-US" sz="3200" dirty="0" smtClean="0">
-                <a:latin typeface="Arial" pitchFamily="34" charset="0"/>
-                <a:cs typeface="Arial" pitchFamily="34" charset="0"/>
-              </a:rPr>
-              <a:t>nearly “instant” access to data, and to provide the foundation for future live data analysis and steering/optimization of experiments</a:t>
+              <a:t>* ADARA (Accelerating Data Acquisition, Reduction, and Analysis) is a new streaming data flow architecture in development at SNS to give users nearly “instant” access to data, and to provide the foundation for future live data analysis and steering/optimization of experiments</a:t>
             </a:r>
             <a:endParaRPr lang="en-US" sz="3200" dirty="0">
               <a:latin typeface="Arial" pitchFamily="34" charset="0"/>

--- a/Presentations/NOBUGS 2012/Posters/AutomatedReduction/Automated data processing using Mantid at the SNS.pptx
+++ b/Presentations/NOBUGS 2012/Posters/AutomatedReduction/Automated data processing using Mantid at the SNS.pptx
@@ -3204,7 +3204,7 @@
         </p:nvSpPr>
         <p:spPr bwMode="auto">
           <a:xfrm>
-            <a:off x="15527422" y="18300212"/>
+            <a:off x="15527422" y="18020812"/>
             <a:ext cx="3231975" cy="830997"/>
           </a:xfrm>
           <a:prstGeom prst="rect">
@@ -3494,29 +3494,8 @@
               <a:rPr lang="en-US" sz="3200" dirty="0" smtClean="0">
                 <a:cs typeface="Helvetica"/>
               </a:rPr>
-              <a:t>    Identified POWGEN, a high throughput instrument, as the first instrument to test </a:t>
-            </a:r>
-            <a:r>
-              <a:rPr lang="en-US" sz="3200" dirty="0" smtClean="0">
-                <a:cs typeface="Helvetica"/>
-              </a:rPr>
-              <a:t>the </a:t>
-            </a:r>
-            <a:r>
-              <a:rPr lang="en-US" sz="3200" dirty="0" smtClean="0">
-                <a:cs typeface="Helvetica"/>
-              </a:rPr>
-              <a:t>automated data reduction </a:t>
-            </a:r>
-            <a:r>
-              <a:rPr lang="en-US" sz="3200" dirty="0" smtClean="0">
-                <a:cs typeface="Helvetica"/>
-              </a:rPr>
-              <a:t>framework</a:t>
-            </a:r>
-            <a:endParaRPr lang="en-US" sz="3200" dirty="0" smtClean="0">
-              <a:cs typeface="Helvetica"/>
-            </a:endParaRPr>
+              <a:t>    Identified POWGEN, a high throughput instrument, as the first instrument to test the automated data reduction framework</a:t>
+            </a:r>
           </a:p>
           <a:p>
             <a:pPr marL="0" lvl="1">
@@ -3527,19 +3506,7 @@
               <a:rPr lang="en-US" sz="3200" dirty="0" smtClean="0">
                 <a:cs typeface="Helvetica"/>
               </a:rPr>
-              <a:t>    Met with </a:t>
-            </a:r>
-            <a:r>
-              <a:rPr lang="en-US" sz="3200" dirty="0" smtClean="0">
-                <a:cs typeface="Helvetica"/>
-              </a:rPr>
-              <a:t>instrument </a:t>
-            </a:r>
-            <a:r>
-              <a:rPr lang="en-US" sz="3200" dirty="0" smtClean="0">
-                <a:cs typeface="Helvetica"/>
-              </a:rPr>
-              <a:t>scientist to determine parameters necessary for data reduction.</a:t>
+              <a:t>    Met with instrument scientist to determine parameters necessary for data reduction.</a:t>
             </a:r>
           </a:p>
           <a:p>
@@ -3563,13 +3530,7 @@
               <a:rPr lang="en-US" sz="3200" dirty="0" smtClean="0">
                 <a:cs typeface="Helvetica"/>
               </a:rPr>
-              <a:t> Python </a:t>
-            </a:r>
-            <a:r>
-              <a:rPr lang="en-US" sz="3200" dirty="0" smtClean="0">
-                <a:cs typeface="Helvetica"/>
-              </a:rPr>
-              <a:t>algorithm </a:t>
+              <a:t> Python algorithm </a:t>
             </a:r>
             <a:r>
               <a:rPr lang="en-US" sz="3200" dirty="0" err="1" smtClean="0">
@@ -3582,25 +3543,7 @@
               <a:rPr lang="en-US" sz="3200" dirty="0" smtClean="0">
                 <a:cs typeface="Helvetica"/>
               </a:rPr>
-              <a:t> </a:t>
-            </a:r>
-            <a:r>
-              <a:rPr lang="en-US" sz="3200" dirty="0" smtClean="0">
-                <a:cs typeface="Helvetica"/>
-              </a:rPr>
-              <a:t>with input parameters </a:t>
-            </a:r>
-            <a:r>
-              <a:rPr lang="en-US" sz="3200" dirty="0" smtClean="0">
-                <a:cs typeface="Helvetica"/>
-              </a:rPr>
-              <a:t>confirmed by </a:t>
-            </a:r>
-            <a:r>
-              <a:rPr lang="en-US" sz="3200" dirty="0" smtClean="0">
-                <a:cs typeface="Helvetica"/>
-              </a:rPr>
-              <a:t>the instrument team and data reduction team</a:t>
+              <a:t> with input parameters confirmed by the instrument team and data reduction team</a:t>
             </a:r>
           </a:p>
           <a:p>
@@ -3612,13 +3555,7 @@
               <a:rPr lang="en-US" sz="3200" dirty="0" smtClean="0">
                 <a:cs typeface="Helvetica"/>
               </a:rPr>
-              <a:t>    Enabled instrument teams to modify the auto reduction script with the updated </a:t>
-            </a:r>
-            <a:r>
-              <a:rPr lang="en-US" sz="3200" dirty="0" smtClean="0">
-                <a:cs typeface="Helvetica"/>
-              </a:rPr>
-              <a:t>parameters for the experiment</a:t>
+              <a:t>    Enabled instrument teams to modify the auto reduction script with the updated parameters for the experiment</a:t>
             </a:r>
           </a:p>
           <a:p>
@@ -3642,23 +3579,8 @@
               <a:rPr lang="en-US" sz="3200" dirty="0" smtClean="0">
                 <a:cs typeface="Helvetica"/>
               </a:rPr>
-              <a:t>    </a:t>
-            </a:r>
-            <a:r>
-              <a:rPr lang="en-US" sz="3200" dirty="0" smtClean="0">
-                <a:cs typeface="Helvetica"/>
-              </a:rPr>
-              <a:t>Deployed the post processing suite into production for POWGEN and received positive remarks from users, in particular, the system served mail-in samples </a:t>
-            </a:r>
-            <a:r>
-              <a:rPr lang="en-US" sz="3200" dirty="0" smtClean="0">
-                <a:cs typeface="Helvetica"/>
-              </a:rPr>
-              <a:t>well</a:t>
-            </a:r>
-            <a:endParaRPr lang="en-US" sz="3200" dirty="0" smtClean="0">
-              <a:cs typeface="Helvetica"/>
-            </a:endParaRPr>
+              <a:t>    Deployed the post processing suite into production for POWGEN and received positive remarks from users, in particular, the system served mail-in samples well</a:t>
+            </a:r>
           </a:p>
           <a:p>
             <a:pPr marL="0" lvl="1">
@@ -3669,43 +3591,19 @@
               <a:rPr lang="en-US" sz="3200" dirty="0" smtClean="0">
                 <a:cs typeface="Helvetica"/>
               </a:rPr>
-              <a:t>    Leveraged the </a:t>
+              <a:t>    Leveraged the automated reduction techniques used in POWGEN together with the well defined </a:t>
+            </a:r>
+            <a:r>
+              <a:rPr lang="en-US" sz="3200" dirty="0" err="1" smtClean="0">
+                <a:cs typeface="Helvetica"/>
+              </a:rPr>
+              <a:t>Mantid</a:t>
             </a:r>
             <a:r>
               <a:rPr lang="en-US" sz="3200" dirty="0" smtClean="0">
                 <a:cs typeface="Helvetica"/>
               </a:rPr>
-              <a:t>automated </a:t>
-            </a:r>
-            <a:r>
-              <a:rPr lang="en-US" sz="3200" dirty="0" smtClean="0">
-                <a:cs typeface="Helvetica"/>
-              </a:rPr>
-              <a:t>reduction techniques used in POWGEN together with the well defined </a:t>
-            </a:r>
-            <a:r>
-              <a:rPr lang="en-US" sz="3200" dirty="0" err="1" smtClean="0">
-                <a:cs typeface="Helvetica"/>
-              </a:rPr>
-              <a:t>Mantid</a:t>
-            </a:r>
-            <a:r>
-              <a:rPr lang="en-US" sz="3200" dirty="0" smtClean="0">
-                <a:cs typeface="Helvetica"/>
-              </a:rPr>
-              <a:t> data reduction </a:t>
-            </a:r>
-            <a:r>
-              <a:rPr lang="en-US" sz="3200" dirty="0" smtClean="0">
-                <a:cs typeface="Helvetica"/>
-              </a:rPr>
-              <a:t>algorithms to </a:t>
-            </a:r>
-            <a:r>
-              <a:rPr lang="en-US" sz="3200" dirty="0" smtClean="0">
-                <a:cs typeface="Helvetica"/>
-              </a:rPr>
-              <a:t>additional instruments including </a:t>
+              <a:t> data reduction algorithms to additional instruments including </a:t>
             </a:r>
             <a:r>
               <a:rPr lang="en-US" sz="3200" dirty="0" smtClean="0"/>
@@ -9254,6 +9152,84 @@
           </a:p>
         </p:txBody>
       </p:sp>
+      <p:pic>
+        <p:nvPicPr>
+          <p:cNvPr id="4" name="Picture 3"/>
+          <p:cNvPicPr>
+            <a:picLocks noChangeAspect="1"/>
+          </p:cNvPicPr>
+          <p:nvPr/>
+        </p:nvPicPr>
+        <p:blipFill>
+          <a:blip r:embed="rId4"/>
+          <a:stretch>
+            <a:fillRect/>
+          </a:stretch>
+        </p:blipFill>
+        <p:spPr>
+          <a:xfrm>
+            <a:off x="24180800" y="17727082"/>
+            <a:ext cx="1600200" cy="1792817"/>
+          </a:xfrm>
+          <a:prstGeom prst="rect">
+            <a:avLst/>
+          </a:prstGeom>
+        </p:spPr>
+      </p:pic>
+      <p:pic>
+        <p:nvPicPr>
+          <p:cNvPr id="117" name="Picture 116" descr="ADARA_C.png"/>
+          <p:cNvPicPr>
+            <a:picLocks noChangeAspect="1"/>
+          </p:cNvPicPr>
+          <p:nvPr/>
+        </p:nvPicPr>
+        <p:blipFill>
+          <a:blip r:embed="rId3">
+            <a:extLst>
+              <a:ext uri="{28A0092B-C50C-407E-A947-70E740481C1C}">
+                <a14:useLocalDpi xmlns:a14="http://schemas.microsoft.com/office/drawing/2010/main" val="0"/>
+              </a:ext>
+            </a:extLst>
+          </a:blip>
+          <a:stretch>
+            <a:fillRect/>
+          </a:stretch>
+        </p:blipFill>
+        <p:spPr>
+          <a:xfrm>
+            <a:off x="18966137" y="18043161"/>
+            <a:ext cx="5028394" cy="1005679"/>
+          </a:xfrm>
+          <a:prstGeom prst="rect">
+            <a:avLst/>
+          </a:prstGeom>
+        </p:spPr>
+      </p:pic>
+      <p:pic>
+        <p:nvPicPr>
+          <p:cNvPr id="7" name="Picture 6"/>
+          <p:cNvPicPr>
+            <a:picLocks noChangeAspect="1"/>
+          </p:cNvPicPr>
+          <p:nvPr/>
+        </p:nvPicPr>
+        <p:blipFill>
+          <a:blip r:embed="rId5"/>
+          <a:stretch>
+            <a:fillRect/>
+          </a:stretch>
+        </p:blipFill>
+        <p:spPr>
+          <a:xfrm>
+            <a:off x="26339162" y="17617438"/>
+            <a:ext cx="1714500" cy="1714500"/>
+          </a:xfrm>
+          <a:prstGeom prst="rect">
+            <a:avLst/>
+          </a:prstGeom>
+        </p:spPr>
+      </p:pic>
     </p:spTree>
   </p:cSld>
   <p:clrMapOvr>
